--- a/2.UsingEssentialTools/02-UsingEssentialTools.pptx
+++ b/2.UsingEssentialTools/02-UsingEssentialTools.pptx
@@ -14,6 +14,7 @@
     <p:sldId id="262" r:id="rId8"/>
     <p:sldId id="261" r:id="rId9"/>
     <p:sldId id="267" r:id="rId10"/>
+    <p:sldId id="268" r:id="rId11"/>
   </p:sldIdLst>
   <p:sldSz cx="9144000" cy="6858000" type="screen4x3"/>
   <p:notesSz cx="6858000" cy="9144000"/>
@@ -312,7 +313,7 @@
           <a:p>
             <a:fld id="{3EA744D9-3FBE-48D8-BF2A-85DF203E4D20}" type="datetimeFigureOut">
               <a:rPr lang="bg-BG" smtClean="0"/>
-              <a:t>15.10.2016 г.</a:t>
+              <a:t>6.12.2016 г.</a:t>
             </a:fld>
             <a:endParaRPr lang="bg-BG"/>
           </a:p>
@@ -482,7 +483,7 @@
           <a:p>
             <a:fld id="{3EA744D9-3FBE-48D8-BF2A-85DF203E4D20}" type="datetimeFigureOut">
               <a:rPr lang="bg-BG" smtClean="0"/>
-              <a:t>15.10.2016 г.</a:t>
+              <a:t>6.12.2016 г.</a:t>
             </a:fld>
             <a:endParaRPr lang="bg-BG"/>
           </a:p>
@@ -662,7 +663,7 @@
           <a:p>
             <a:fld id="{3EA744D9-3FBE-48D8-BF2A-85DF203E4D20}" type="datetimeFigureOut">
               <a:rPr lang="bg-BG" smtClean="0"/>
-              <a:t>15.10.2016 г.</a:t>
+              <a:t>6.12.2016 г.</a:t>
             </a:fld>
             <a:endParaRPr lang="bg-BG"/>
           </a:p>
@@ -832,7 +833,7 @@
           <a:p>
             <a:fld id="{3EA744D9-3FBE-48D8-BF2A-85DF203E4D20}" type="datetimeFigureOut">
               <a:rPr lang="bg-BG" smtClean="0"/>
-              <a:t>15.10.2016 г.</a:t>
+              <a:t>6.12.2016 г.</a:t>
             </a:fld>
             <a:endParaRPr lang="bg-BG"/>
           </a:p>
@@ -1078,7 +1079,7 @@
           <a:p>
             <a:fld id="{3EA744D9-3FBE-48D8-BF2A-85DF203E4D20}" type="datetimeFigureOut">
               <a:rPr lang="bg-BG" smtClean="0"/>
-              <a:t>15.10.2016 г.</a:t>
+              <a:t>6.12.2016 г.</a:t>
             </a:fld>
             <a:endParaRPr lang="bg-BG"/>
           </a:p>
@@ -1366,7 +1367,7 @@
           <a:p>
             <a:fld id="{3EA744D9-3FBE-48D8-BF2A-85DF203E4D20}" type="datetimeFigureOut">
               <a:rPr lang="bg-BG" smtClean="0"/>
-              <a:t>15.10.2016 г.</a:t>
+              <a:t>6.12.2016 г.</a:t>
             </a:fld>
             <a:endParaRPr lang="bg-BG"/>
           </a:p>
@@ -1788,7 +1789,7 @@
           <a:p>
             <a:fld id="{3EA744D9-3FBE-48D8-BF2A-85DF203E4D20}" type="datetimeFigureOut">
               <a:rPr lang="bg-BG" smtClean="0"/>
-              <a:t>15.10.2016 г.</a:t>
+              <a:t>6.12.2016 г.</a:t>
             </a:fld>
             <a:endParaRPr lang="bg-BG"/>
           </a:p>
@@ -1906,7 +1907,7 @@
           <a:p>
             <a:fld id="{3EA744D9-3FBE-48D8-BF2A-85DF203E4D20}" type="datetimeFigureOut">
               <a:rPr lang="bg-BG" smtClean="0"/>
-              <a:t>15.10.2016 г.</a:t>
+              <a:t>6.12.2016 г.</a:t>
             </a:fld>
             <a:endParaRPr lang="bg-BG"/>
           </a:p>
@@ -2001,7 +2002,7 @@
           <a:p>
             <a:fld id="{3EA744D9-3FBE-48D8-BF2A-85DF203E4D20}" type="datetimeFigureOut">
               <a:rPr lang="bg-BG" smtClean="0"/>
-              <a:t>15.10.2016 г.</a:t>
+              <a:t>6.12.2016 г.</a:t>
             </a:fld>
             <a:endParaRPr lang="bg-BG"/>
           </a:p>
@@ -2278,7 +2279,7 @@
           <a:p>
             <a:fld id="{3EA744D9-3FBE-48D8-BF2A-85DF203E4D20}" type="datetimeFigureOut">
               <a:rPr lang="bg-BG" smtClean="0"/>
-              <a:t>15.10.2016 г.</a:t>
+              <a:t>6.12.2016 г.</a:t>
             </a:fld>
             <a:endParaRPr lang="bg-BG"/>
           </a:p>
@@ -2531,7 +2532,7 @@
           <a:p>
             <a:fld id="{3EA744D9-3FBE-48D8-BF2A-85DF203E4D20}" type="datetimeFigureOut">
               <a:rPr lang="bg-BG" smtClean="0"/>
-              <a:t>15.10.2016 г.</a:t>
+              <a:t>6.12.2016 г.</a:t>
             </a:fld>
             <a:endParaRPr lang="bg-BG"/>
           </a:p>
@@ -2753,7 +2754,7 @@
           <a:p>
             <a:fld id="{3EA744D9-3FBE-48D8-BF2A-85DF203E4D20}" type="datetimeFigureOut">
               <a:rPr lang="bg-BG" smtClean="0"/>
-              <a:t>15.10.2016 г.</a:t>
+              <a:t>6.12.2016 г.</a:t>
             </a:fld>
             <a:endParaRPr lang="bg-BG"/>
           </a:p>
@@ -3254,25 +3255,6 @@
       </p:sp>
       <p:sp>
         <p:nvSpPr>
-          <p:cNvPr id="3" name="Subtitle 2"/>
-          <p:cNvSpPr>
-            <a:spLocks noGrp="1"/>
-          </p:cNvSpPr>
-          <p:nvPr>
-            <p:ph type="subTitle" idx="1"/>
-          </p:nvPr>
-        </p:nvSpPr>
-        <p:spPr/>
-        <p:txBody>
-          <a:bodyPr/>
-          <a:lstStyle/>
-          <a:p>
-            <a:endParaRPr lang="bg-BG" dirty="0"/>
-          </a:p>
-        </p:txBody>
-      </p:sp>
-      <p:sp>
-        <p:nvSpPr>
           <p:cNvPr id="5" name="TextBox 4"/>
           <p:cNvSpPr txBox="1"/>
           <p:nvPr/>
@@ -3333,6 +3315,93 @@
 </p:sld>
 </file>
 
+<file path=ppt/slides/slide10.xml><?xml version="1.0" encoding="utf-8"?>
+<p:sld xmlns:a="http://schemas.openxmlformats.org/drawingml/2006/main" xmlns:r="http://schemas.openxmlformats.org/officeDocument/2006/relationships" xmlns:p="http://schemas.openxmlformats.org/presentationml/2006/main">
+  <p:cSld>
+    <p:spTree>
+      <p:nvGrpSpPr>
+        <p:cNvPr id="1" name=""/>
+        <p:cNvGrpSpPr/>
+        <p:nvPr/>
+      </p:nvGrpSpPr>
+      <p:grpSpPr>
+        <a:xfrm>
+          <a:off x="0" y="0"/>
+          <a:ext cx="0" cy="0"/>
+          <a:chOff x="0" y="0"/>
+          <a:chExt cx="0" cy="0"/>
+        </a:xfrm>
+      </p:grpSpPr>
+      <p:pic>
+        <p:nvPicPr>
+          <p:cNvPr id="4" name="Picture 3"/>
+          <p:cNvPicPr>
+            <a:picLocks noChangeAspect="1"/>
+          </p:cNvPicPr>
+          <p:nvPr/>
+        </p:nvPicPr>
+        <p:blipFill>
+          <a:blip r:embed="rId2"/>
+          <a:stretch>
+            <a:fillRect/>
+          </a:stretch>
+        </p:blipFill>
+        <p:spPr>
+          <a:xfrm>
+            <a:off x="3048000" y="2286000"/>
+            <a:ext cx="2414225" cy="2414225"/>
+          </a:xfrm>
+          <a:prstGeom prst="rect">
+            <a:avLst/>
+          </a:prstGeom>
+        </p:spPr>
+      </p:pic>
+      <p:sp>
+        <p:nvSpPr>
+          <p:cNvPr id="6" name="Rectangle 5"/>
+          <p:cNvSpPr/>
+          <p:nvPr/>
+        </p:nvSpPr>
+        <p:spPr>
+          <a:xfrm>
+            <a:off x="3431194" y="990600"/>
+            <a:ext cx="1991828" cy="646331"/>
+          </a:xfrm>
+          <a:prstGeom prst="rect">
+            <a:avLst/>
+          </a:prstGeom>
+        </p:spPr>
+        <p:txBody>
+          <a:bodyPr wrap="square">
+            <a:spAutoFit/>
+          </a:bodyPr>
+          <a:lstStyle/>
+          <a:p>
+            <a:r>
+              <a:rPr lang="bg-BG" sz="3600" dirty="0" smtClean="0">
+                <a:solidFill>
+                  <a:schemeClr val="accent6"/>
+                </a:solidFill>
+              </a:rPr>
+              <a:t>Въпроси</a:t>
+            </a:r>
+            <a:endParaRPr lang="en-US" sz="3600" dirty="0"/>
+          </a:p>
+        </p:txBody>
+      </p:sp>
+    </p:spTree>
+    <p:extLst>
+      <p:ext uri="{BB962C8B-B14F-4D97-AF65-F5344CB8AC3E}">
+        <p14:creationId xmlns:p14="http://schemas.microsoft.com/office/powerpoint/2010/main" val="169600901"/>
+      </p:ext>
+    </p:extLst>
+  </p:cSld>
+  <p:clrMapOvr>
+    <a:masterClrMapping/>
+  </p:clrMapOvr>
+</p:sld>
+</file>
+
 <file path=ppt/slides/slide2.xml><?xml version="1.0" encoding="utf-8"?>
 <p:sld xmlns:a="http://schemas.openxmlformats.org/drawingml/2006/main" xmlns:r="http://schemas.openxmlformats.org/officeDocument/2006/relationships" xmlns:p="http://schemas.openxmlformats.org/presentationml/2006/main">
   <p:cSld>
@@ -3447,10 +3516,18 @@
             <a:r>
               <a:rPr lang="en-US" dirty="0" smtClean="0">
                 <a:solidFill>
-                  <a:schemeClr val="accent6"/>
-                </a:solidFill>
-              </a:rPr>
-              <a:t>Exercises:</a:t>
+                  <a:srgbClr val="FF0000"/>
+                </a:solidFill>
+              </a:rPr>
+              <a:t>Exercises</a:t>
+            </a:r>
+            <a:r>
+              <a:rPr lang="en-US" dirty="0" smtClean="0">
+                <a:solidFill>
+                  <a:schemeClr val="accent6"/>
+                </a:solidFill>
+              </a:rPr>
+              <a:t>:</a:t>
             </a:r>
           </a:p>
           <a:p>
@@ -3460,7 +3537,7 @@
             <a:r>
               <a:rPr lang="en-US" dirty="0" smtClean="0">
                 <a:solidFill>
-                  <a:schemeClr val="accent6"/>
+                  <a:schemeClr val="bg1"/>
                 </a:solidFill>
               </a:rPr>
               <a:t>Create 3 aliases inside your home folder. You could choose whatever u want, or you could use for p=</a:t>
@@ -3468,7 +3545,7 @@
             <a:r>
               <a:rPr lang="en-US" dirty="0" err="1" smtClean="0">
                 <a:solidFill>
-                  <a:schemeClr val="accent6"/>
+                  <a:schemeClr val="bg1"/>
                 </a:solidFill>
               </a:rPr>
               <a:t>pwd</a:t>
@@ -3476,7 +3553,7 @@
             <a:r>
               <a:rPr lang="en-US" dirty="0" smtClean="0">
                 <a:solidFill>
-                  <a:schemeClr val="accent6"/>
+                  <a:schemeClr val="bg1"/>
                 </a:solidFill>
               </a:rPr>
               <a:t>, v=vim and d=</a:t>
@@ -3484,7 +3561,7 @@
             <a:r>
               <a:rPr lang="en-US" dirty="0" err="1" smtClean="0">
                 <a:solidFill>
-                  <a:schemeClr val="accent6"/>
+                  <a:schemeClr val="bg1"/>
                 </a:solidFill>
               </a:rPr>
               <a:t>df</a:t>
@@ -3492,7 +3569,7 @@
             <a:r>
               <a:rPr lang="en-US" dirty="0" smtClean="0">
                 <a:solidFill>
-                  <a:schemeClr val="accent6"/>
+                  <a:schemeClr val="bg1"/>
                 </a:solidFill>
               </a:rPr>
               <a:t> –h.</a:t>
@@ -3505,7 +3582,7 @@
             <a:r>
               <a:rPr lang="en-US" dirty="0" smtClean="0">
                 <a:solidFill>
-                  <a:schemeClr val="accent6"/>
+                  <a:schemeClr val="bg1"/>
                 </a:solidFill>
               </a:rPr>
               <a:t>Evaluate the $PATH environment variable path and taste whether python is inside it.</a:t>
@@ -3518,7 +3595,7 @@
             <a:r>
               <a:rPr lang="en-US" dirty="0" smtClean="0">
                 <a:solidFill>
-                  <a:schemeClr val="accent6"/>
+                  <a:schemeClr val="bg1"/>
                 </a:solidFill>
               </a:rPr>
               <a:t>3.     Write the following command in the shell ‘man </a:t>
@@ -3526,7 +3603,7 @@
             <a:r>
               <a:rPr lang="en-US" dirty="0" err="1" smtClean="0">
                 <a:solidFill>
-                  <a:schemeClr val="accent6"/>
+                  <a:schemeClr val="bg1"/>
                 </a:solidFill>
               </a:rPr>
               <a:t>df</a:t>
@@ -3841,8 +3918,45 @@
                   </a:schemeClr>
                 </a:solidFill>
               </a:rPr>
-              <a:t>cat file</a:t>
-            </a:r>
+              <a:t>cat </a:t>
+            </a:r>
+            <a:r>
+              <a:rPr lang="en-US" dirty="0" smtClean="0">
+                <a:solidFill>
+                  <a:schemeClr val="bg1">
+                    <a:lumMod val="95000"/>
+                  </a:schemeClr>
+                </a:solidFill>
+              </a:rPr>
+              <a:t>file</a:t>
+            </a:r>
+            <a:r>
+              <a:rPr lang="bg-BG" dirty="0" smtClean="0">
+                <a:solidFill>
+                  <a:schemeClr val="bg1">
+                    <a:lumMod val="95000"/>
+                  </a:schemeClr>
+                </a:solidFill>
+              </a:rPr>
+              <a:t>_</a:t>
+            </a:r>
+            <a:r>
+              <a:rPr lang="en-US" dirty="0" err="1" smtClean="0">
+                <a:solidFill>
+                  <a:schemeClr val="bg1">
+                    <a:lumMod val="95000"/>
+                  </a:schemeClr>
+                </a:solidFill>
+              </a:rPr>
+              <a:t>that_exists</a:t>
+            </a:r>
+            <a:endParaRPr lang="en-US" dirty="0" smtClean="0">
+              <a:solidFill>
+                <a:schemeClr val="bg1">
+                  <a:lumMod val="95000"/>
+                </a:schemeClr>
+              </a:solidFill>
+            </a:endParaRPr>
           </a:p>
           <a:p>
             <a:pPr marL="0" indent="0">
@@ -3881,7 +3995,37 @@
                   </a:schemeClr>
                 </a:solidFill>
               </a:rPr>
-              <a:t>cat file (file does not exist)</a:t>
+              <a:t>cat </a:t>
+            </a:r>
+            <a:r>
+              <a:rPr lang="en-US" dirty="0" err="1" smtClean="0">
+                <a:solidFill>
+                  <a:schemeClr val="bg1">
+                    <a:lumMod val="95000"/>
+                  </a:schemeClr>
+                </a:solidFill>
+              </a:rPr>
+              <a:t>file_that_does_not_exists</a:t>
+            </a:r>
+            <a:r>
+              <a:rPr lang="en-US" dirty="0" smtClean="0">
+                <a:solidFill>
+                  <a:schemeClr val="bg1">
+                    <a:lumMod val="95000"/>
+                  </a:schemeClr>
+                </a:solidFill>
+              </a:rPr>
+              <a:t> </a:t>
+            </a:r>
+            <a:r>
+              <a:rPr lang="en-US" dirty="0" smtClean="0">
+                <a:solidFill>
+                  <a:schemeClr val="bg1">
+                    <a:lumMod val="95000"/>
+                  </a:schemeClr>
+                </a:solidFill>
+              </a:rPr>
+              <a:t>(file does not exist)</a:t>
             </a:r>
             <a:endParaRPr lang="en-US" dirty="0">
               <a:solidFill>
@@ -4180,7 +4324,15 @@
                   <a:schemeClr val="accent6"/>
                 </a:solidFill>
               </a:rPr>
-              <a:t>‘&gt;’ =&gt; redirects STDOUT. If redirection is to a file, the current contents of that file are overwritten.</a:t>
+              <a:t>‘&gt;’  </a:t>
+            </a:r>
+            <a:r>
+              <a:rPr lang="en-US" dirty="0" smtClean="0">
+                <a:solidFill>
+                  <a:schemeClr val="accent6"/>
+                </a:solidFill>
+              </a:rPr>
+              <a:t>redirects STDOUT. If redirection is to a file, the current contents of that file are overwritten.</a:t>
             </a:r>
           </a:p>
           <a:p>
@@ -4235,7 +4387,15 @@
                   <a:schemeClr val="accent6"/>
                 </a:solidFill>
               </a:rPr>
-              <a:t>‘&gt;&gt;’=&gt; same as above, but the content is appended to the file.</a:t>
+              <a:t>‘&gt;&gt;’  </a:t>
+            </a:r>
+            <a:r>
+              <a:rPr lang="en-US" dirty="0" smtClean="0">
+                <a:solidFill>
+                  <a:schemeClr val="accent6"/>
+                </a:solidFill>
+              </a:rPr>
+              <a:t>same as above, but the content is appended to the file.</a:t>
             </a:r>
           </a:p>
           <a:p>
@@ -4277,7 +4437,23 @@
                   <a:schemeClr val="accent6"/>
                 </a:solidFill>
               </a:rPr>
-              <a:t>‘2&gt;’=&gt; redirects STDERR.</a:t>
+              <a:t>‘</a:t>
+            </a:r>
+            <a:r>
+              <a:rPr lang="en-US" dirty="0" smtClean="0">
+                <a:solidFill>
+                  <a:schemeClr val="accent6"/>
+                </a:solidFill>
+              </a:rPr>
+              <a:t>2&gt;’ redirects </a:t>
+            </a:r>
+            <a:r>
+              <a:rPr lang="en-US" dirty="0" smtClean="0">
+                <a:solidFill>
+                  <a:schemeClr val="accent6"/>
+                </a:solidFill>
+              </a:rPr>
+              <a:t>STDERR.</a:t>
             </a:r>
           </a:p>
           <a:p>
@@ -4343,46 +4519,20 @@
               <a:buNone/>
             </a:pPr>
             <a:r>
-              <a:rPr lang="en-US" sz="3400" dirty="0" err="1" smtClean="0">
-                <a:solidFill>
-                  <a:schemeClr val="bg1"/>
-                </a:solidFill>
-              </a:rPr>
-              <a:t>su</a:t>
-            </a:r>
-            <a:r>
               <a:rPr lang="en-US" sz="3400" dirty="0" smtClean="0">
                 <a:solidFill>
                   <a:schemeClr val="bg1"/>
                 </a:solidFill>
               </a:rPr>
-              <a:t> </a:t>
-            </a:r>
-            <a:r>
-              <a:rPr lang="en-US" sz="3400" dirty="0" err="1" smtClean="0">
-                <a:solidFill>
-                  <a:schemeClr val="bg1"/>
-                </a:solidFill>
-              </a:rPr>
-              <a:t>local_user</a:t>
-            </a:r>
-            <a:endParaRPr lang="en-US" sz="3400" dirty="0" smtClean="0">
-              <a:solidFill>
-                <a:schemeClr val="bg1"/>
-              </a:solidFill>
-            </a:endParaRPr>
-          </a:p>
-          <a:p>
-            <a:pPr marL="0" indent="0">
-              <a:buNone/>
-            </a:pPr>
+              <a:t>ls </a:t>
+            </a:r>
             <a:r>
               <a:rPr lang="en-US" sz="3400" dirty="0" smtClean="0">
                 <a:solidFill>
                   <a:schemeClr val="bg1"/>
                 </a:solidFill>
               </a:rPr>
-              <a:t>ls / 2&gt;&amp;1 /</a:t>
+              <a:t>/ 2&gt;&amp;1 /</a:t>
             </a:r>
             <a:r>
               <a:rPr lang="en-US" sz="3400" dirty="0" err="1" smtClean="0">
@@ -4431,7 +4581,7 @@
             <a:r>
               <a:rPr lang="en-US" sz="3400" dirty="0" smtClean="0">
                 <a:solidFill>
-                  <a:schemeClr val="accent6"/>
+                  <a:srgbClr val="FF0000"/>
                 </a:solidFill>
               </a:rPr>
               <a:t>Exercises:</a:t>
@@ -4442,9 +4592,9 @@
               <a:buAutoNum type="arabicPeriod"/>
             </a:pPr>
             <a:r>
-              <a:rPr lang="en-US" sz="3400" dirty="0" smtClean="0">
-                <a:solidFill>
-                  <a:schemeClr val="accent6"/>
+              <a:rPr lang="en-US" dirty="0">
+                <a:solidFill>
+                  <a:schemeClr val="bg1"/>
                 </a:solidFill>
               </a:rPr>
               <a:t>Redirect the standard output from a command to a file.</a:t>
@@ -4455,9 +4605,9 @@
               <a:buAutoNum type="arabicPeriod"/>
             </a:pPr>
             <a:r>
-              <a:rPr lang="en-US" sz="3400" dirty="0" smtClean="0">
-                <a:solidFill>
-                  <a:schemeClr val="accent6"/>
+              <a:rPr lang="en-US" dirty="0">
+                <a:solidFill>
+                  <a:schemeClr val="bg1"/>
                 </a:solidFill>
               </a:rPr>
               <a:t>Append to the file’s content one more redirection.</a:t>
@@ -5192,25 +5342,6 @@
           </a:p>
         </p:txBody>
       </p:sp>
-      <p:sp>
-        <p:nvSpPr>
-          <p:cNvPr id="5" name="Content Placeholder 4"/>
-          <p:cNvSpPr>
-            <a:spLocks noGrp="1"/>
-          </p:cNvSpPr>
-          <p:nvPr>
-            <p:ph idx="1"/>
-          </p:nvPr>
-        </p:nvSpPr>
-        <p:spPr/>
-        <p:txBody>
-          <a:bodyPr/>
-          <a:lstStyle/>
-          <a:p>
-            <a:endParaRPr lang="en-US" dirty="0"/>
-          </a:p>
-        </p:txBody>
-      </p:sp>
     </p:spTree>
     <p:extLst>
       <p:ext uri="{BB962C8B-B14F-4D97-AF65-F5344CB8AC3E}">
@@ -5470,11 +5601,19 @@
             <a:r>
               <a:rPr lang="en-US" dirty="0" smtClean="0">
                 <a:solidFill>
-                  <a:schemeClr val="accent6"/>
+                  <a:srgbClr val="FF0000"/>
                 </a:solidFill>
               </a:rPr>
               <a:t>Exercises:</a:t>
             </a:r>
+            <a:r>
+              <a:rPr lang="en-US" dirty="0" smtClean="0">
+                <a:solidFill>
+                  <a:schemeClr val="accent6"/>
+                </a:solidFill>
+              </a:rPr>
+              <a:t/>
+            </a:r>
             <a:br>
               <a:rPr lang="en-US" dirty="0" smtClean="0">
                 <a:solidFill>
@@ -5485,7 +5624,7 @@
             <a:r>
               <a:rPr lang="en-US" dirty="0" smtClean="0">
                 <a:solidFill>
-                  <a:schemeClr val="accent6"/>
+                  <a:schemeClr val="bg1"/>
                 </a:solidFill>
               </a:rPr>
               <a:t>1. Have a look at the man page for ‘</a:t>
@@ -5493,7 +5632,7 @@
             <a:r>
               <a:rPr lang="en-US" dirty="0" err="1" smtClean="0">
                 <a:solidFill>
-                  <a:schemeClr val="accent6"/>
+                  <a:schemeClr val="bg1"/>
                 </a:solidFill>
               </a:rPr>
               <a:t>pvcreate</a:t>
@@ -5501,7 +5640,7 @@
             <a:r>
               <a:rPr lang="en-US" dirty="0" smtClean="0">
                 <a:solidFill>
-                  <a:schemeClr val="accent6"/>
+                  <a:schemeClr val="bg1"/>
                 </a:solidFill>
               </a:rPr>
               <a:t>’.</a:t>
@@ -5509,14 +5648,14 @@
             <a:br>
               <a:rPr lang="en-US" dirty="0" smtClean="0">
                 <a:solidFill>
-                  <a:schemeClr val="accent6"/>
+                  <a:schemeClr val="bg1"/>
                 </a:solidFill>
               </a:rPr>
             </a:br>
             <a:r>
               <a:rPr lang="en-US" dirty="0" smtClean="0">
                 <a:solidFill>
-                  <a:schemeClr val="accent6"/>
+                  <a:schemeClr val="bg1"/>
                 </a:solidFill>
               </a:rPr>
               <a:t>2. Find the examples.</a:t>
@@ -5524,14 +5663,14 @@
             <a:br>
               <a:rPr lang="en-US" dirty="0" smtClean="0">
                 <a:solidFill>
-                  <a:schemeClr val="accent6"/>
+                  <a:schemeClr val="bg1"/>
                 </a:solidFill>
               </a:rPr>
             </a:br>
             <a:r>
               <a:rPr lang="en-US" dirty="0" smtClean="0">
                 <a:solidFill>
-                  <a:schemeClr val="accent6"/>
+                  <a:schemeClr val="bg1"/>
                 </a:solidFill>
               </a:rPr>
               <a:t>3. Find the ‘see also’ section.</a:t>
@@ -5539,14 +5678,14 @@
             <a:br>
               <a:rPr lang="en-US" dirty="0" smtClean="0">
                 <a:solidFill>
-                  <a:schemeClr val="accent6"/>
+                  <a:schemeClr val="bg1"/>
                 </a:solidFill>
               </a:rPr>
             </a:br>
             <a:r>
               <a:rPr lang="en-US" dirty="0" smtClean="0">
                 <a:solidFill>
-                  <a:schemeClr val="accent6"/>
+                  <a:schemeClr val="bg1"/>
                 </a:solidFill>
               </a:rPr>
               <a:t>4. What information did you get ?</a:t>
@@ -5586,25 +5725,6 @@
                 <a:schemeClr val="accent6"/>
               </a:solidFill>
             </a:endParaRPr>
-          </a:p>
-        </p:txBody>
-      </p:sp>
-      <p:sp>
-        <p:nvSpPr>
-          <p:cNvPr id="4" name="Content Placeholder 3"/>
-          <p:cNvSpPr>
-            <a:spLocks noGrp="1"/>
-          </p:cNvSpPr>
-          <p:nvPr>
-            <p:ph idx="1"/>
-          </p:nvPr>
-        </p:nvSpPr>
-        <p:spPr/>
-        <p:txBody>
-          <a:bodyPr/>
-          <a:lstStyle/>
-          <a:p>
-            <a:endParaRPr lang="en-US" dirty="0"/>
           </a:p>
         </p:txBody>
       </p:sp>
@@ -5716,20 +5836,20 @@
               <a:t> and grep are really </a:t>
             </a:r>
             <a:r>
-              <a:rPr lang="en-US" dirty="0" err="1" smtClean="0">
-                <a:solidFill>
-                  <a:schemeClr val="accent6"/>
-                </a:solidFill>
-              </a:rPr>
-              <a:t>powerfull</a:t>
-            </a:r>
-            <a:r>
-              <a:rPr lang="en-US" dirty="0" smtClean="0">
-                <a:solidFill>
-                  <a:schemeClr val="accent6"/>
-                </a:solidFill>
-              </a:rPr>
-              <a:t> commands to look for information. Have a look at their man pages.</a:t>
+              <a:rPr lang="en-US" dirty="0" smtClean="0">
+                <a:solidFill>
+                  <a:schemeClr val="accent6"/>
+                </a:solidFill>
+              </a:rPr>
+              <a:t>powerful </a:t>
+            </a:r>
+            <a:r>
+              <a:rPr lang="en-US" dirty="0" smtClean="0">
+                <a:solidFill>
+                  <a:schemeClr val="accent6"/>
+                </a:solidFill>
+              </a:rPr>
+              <a:t>commands to look for information. Have a look at their man pages.</a:t>
             </a:r>
           </a:p>
           <a:p>
@@ -6063,15 +6183,7 @@
                   <a:schemeClr val="bg1"/>
                 </a:solidFill>
               </a:rPr>
-              <a:t>Make a google search about ‘/dev/ ‘ directory, what do you think it hides </a:t>
-            </a:r>
-            <a:r>
-              <a:rPr lang="en-US" smtClean="0">
-                <a:solidFill>
-                  <a:schemeClr val="bg1"/>
-                </a:solidFill>
-              </a:rPr>
-              <a:t>as content ?</a:t>
+              <a:t>Make a google search about ‘/dev/ ‘ directory, what do you think it hides as content ?</a:t>
             </a:r>
           </a:p>
           <a:p>

--- a/2.UsingEssentialTools/02-UsingEssentialTools.pptx
+++ b/2.UsingEssentialTools/02-UsingEssentialTools.pptx
@@ -14,7 +14,6 @@
     <p:sldId id="262" r:id="rId8"/>
     <p:sldId id="261" r:id="rId9"/>
     <p:sldId id="267" r:id="rId10"/>
-    <p:sldId id="268" r:id="rId11"/>
   </p:sldIdLst>
   <p:sldSz cx="9144000" cy="6858000" type="screen4x3"/>
   <p:notesSz cx="6858000" cy="9144000"/>
@@ -3315,93 +3314,6 @@
 </p:sld>
 </file>
 
-<file path=ppt/slides/slide10.xml><?xml version="1.0" encoding="utf-8"?>
-<p:sld xmlns:a="http://schemas.openxmlformats.org/drawingml/2006/main" xmlns:r="http://schemas.openxmlformats.org/officeDocument/2006/relationships" xmlns:p="http://schemas.openxmlformats.org/presentationml/2006/main">
-  <p:cSld>
-    <p:spTree>
-      <p:nvGrpSpPr>
-        <p:cNvPr id="1" name=""/>
-        <p:cNvGrpSpPr/>
-        <p:nvPr/>
-      </p:nvGrpSpPr>
-      <p:grpSpPr>
-        <a:xfrm>
-          <a:off x="0" y="0"/>
-          <a:ext cx="0" cy="0"/>
-          <a:chOff x="0" y="0"/>
-          <a:chExt cx="0" cy="0"/>
-        </a:xfrm>
-      </p:grpSpPr>
-      <p:pic>
-        <p:nvPicPr>
-          <p:cNvPr id="4" name="Picture 3"/>
-          <p:cNvPicPr>
-            <a:picLocks noChangeAspect="1"/>
-          </p:cNvPicPr>
-          <p:nvPr/>
-        </p:nvPicPr>
-        <p:blipFill>
-          <a:blip r:embed="rId2"/>
-          <a:stretch>
-            <a:fillRect/>
-          </a:stretch>
-        </p:blipFill>
-        <p:spPr>
-          <a:xfrm>
-            <a:off x="3048000" y="2286000"/>
-            <a:ext cx="2414225" cy="2414225"/>
-          </a:xfrm>
-          <a:prstGeom prst="rect">
-            <a:avLst/>
-          </a:prstGeom>
-        </p:spPr>
-      </p:pic>
-      <p:sp>
-        <p:nvSpPr>
-          <p:cNvPr id="6" name="Rectangle 5"/>
-          <p:cNvSpPr/>
-          <p:nvPr/>
-        </p:nvSpPr>
-        <p:spPr>
-          <a:xfrm>
-            <a:off x="3431194" y="990600"/>
-            <a:ext cx="1991828" cy="646331"/>
-          </a:xfrm>
-          <a:prstGeom prst="rect">
-            <a:avLst/>
-          </a:prstGeom>
-        </p:spPr>
-        <p:txBody>
-          <a:bodyPr wrap="square">
-            <a:spAutoFit/>
-          </a:bodyPr>
-          <a:lstStyle/>
-          <a:p>
-            <a:r>
-              <a:rPr lang="bg-BG" sz="3600" dirty="0" smtClean="0">
-                <a:solidFill>
-                  <a:schemeClr val="accent6"/>
-                </a:solidFill>
-              </a:rPr>
-              <a:t>Въпроси</a:t>
-            </a:r>
-            <a:endParaRPr lang="en-US" sz="3600" dirty="0"/>
-          </a:p>
-        </p:txBody>
-      </p:sp>
-    </p:spTree>
-    <p:extLst>
-      <p:ext uri="{BB962C8B-B14F-4D97-AF65-F5344CB8AC3E}">
-        <p14:creationId xmlns:p14="http://schemas.microsoft.com/office/powerpoint/2010/main" val="169600901"/>
-      </p:ext>
-    </p:extLst>
-  </p:cSld>
-  <p:clrMapOvr>
-    <a:masterClrMapping/>
-  </p:clrMapOvr>
-</p:sld>
-</file>
-
 <file path=ppt/slides/slide2.xml><?xml version="1.0" encoding="utf-8"?>
 <p:sld xmlns:a="http://schemas.openxmlformats.org/drawingml/2006/main" xmlns:r="http://schemas.openxmlformats.org/officeDocument/2006/relationships" xmlns:p="http://schemas.openxmlformats.org/presentationml/2006/main">
   <p:cSld>
@@ -3918,17 +3830,7 @@
                   </a:schemeClr>
                 </a:solidFill>
               </a:rPr>
-              <a:t>cat </a:t>
-            </a:r>
-            <a:r>
-              <a:rPr lang="en-US" dirty="0" smtClean="0">
-                <a:solidFill>
-                  <a:schemeClr val="bg1">
-                    <a:lumMod val="95000"/>
-                  </a:schemeClr>
-                </a:solidFill>
-              </a:rPr>
-              <a:t>file</a:t>
+              <a:t>cat file</a:t>
             </a:r>
             <a:r>
               <a:rPr lang="bg-BG" dirty="0" smtClean="0">
@@ -4015,17 +3917,7 @@
                   </a:schemeClr>
                 </a:solidFill>
               </a:rPr>
-              <a:t> </a:t>
-            </a:r>
-            <a:r>
-              <a:rPr lang="en-US" dirty="0" smtClean="0">
-                <a:solidFill>
-                  <a:schemeClr val="bg1">
-                    <a:lumMod val="95000"/>
-                  </a:schemeClr>
-                </a:solidFill>
-              </a:rPr>
-              <a:t>(file does not exist)</a:t>
+              <a:t> (file does not exist)</a:t>
             </a:r>
             <a:endParaRPr lang="en-US" dirty="0">
               <a:solidFill>
@@ -4324,15 +4216,7 @@
                   <a:schemeClr val="accent6"/>
                 </a:solidFill>
               </a:rPr>
-              <a:t>‘&gt;’  </a:t>
-            </a:r>
-            <a:r>
-              <a:rPr lang="en-US" dirty="0" smtClean="0">
-                <a:solidFill>
-                  <a:schemeClr val="accent6"/>
-                </a:solidFill>
-              </a:rPr>
-              <a:t>redirects STDOUT. If redirection is to a file, the current contents of that file are overwritten.</a:t>
+              <a:t>‘&gt;’  redirects STDOUT. If redirection is to a file, the current contents of that file are overwritten.</a:t>
             </a:r>
           </a:p>
           <a:p>
@@ -4387,15 +4271,7 @@
                   <a:schemeClr val="accent6"/>
                 </a:solidFill>
               </a:rPr>
-              <a:t>‘&gt;&gt;’  </a:t>
-            </a:r>
-            <a:r>
-              <a:rPr lang="en-US" dirty="0" smtClean="0">
-                <a:solidFill>
-                  <a:schemeClr val="accent6"/>
-                </a:solidFill>
-              </a:rPr>
-              <a:t>same as above, but the content is appended to the file.</a:t>
+              <a:t>‘&gt;&gt;’  same as above, but the content is appended to the file.</a:t>
             </a:r>
           </a:p>
           <a:p>
@@ -4437,23 +4313,7 @@
                   <a:schemeClr val="accent6"/>
                 </a:solidFill>
               </a:rPr>
-              <a:t>‘</a:t>
-            </a:r>
-            <a:r>
-              <a:rPr lang="en-US" dirty="0" smtClean="0">
-                <a:solidFill>
-                  <a:schemeClr val="accent6"/>
-                </a:solidFill>
-              </a:rPr>
-              <a:t>2&gt;’ redirects </a:t>
-            </a:r>
-            <a:r>
-              <a:rPr lang="en-US" dirty="0" smtClean="0">
-                <a:solidFill>
-                  <a:schemeClr val="accent6"/>
-                </a:solidFill>
-              </a:rPr>
-              <a:t>STDERR.</a:t>
+              <a:t>‘2&gt;’ redirects STDERR.</a:t>
             </a:r>
           </a:p>
           <a:p>
@@ -4524,15 +4384,7 @@
                   <a:schemeClr val="bg1"/>
                 </a:solidFill>
               </a:rPr>
-              <a:t>ls </a:t>
-            </a:r>
-            <a:r>
-              <a:rPr lang="en-US" sz="3400" dirty="0" smtClean="0">
-                <a:solidFill>
-                  <a:schemeClr val="bg1"/>
-                </a:solidFill>
-              </a:rPr>
-              <a:t>/ 2&gt;&amp;1 /</a:t>
+              <a:t>ls / 2&gt;&amp;1 /</a:t>
             </a:r>
             <a:r>
               <a:rPr lang="en-US" sz="3400" dirty="0" err="1" smtClean="0">
@@ -5833,23 +5685,7 @@
                   <a:schemeClr val="accent6"/>
                 </a:solidFill>
               </a:rPr>
-              <a:t> and grep are really </a:t>
-            </a:r>
-            <a:r>
-              <a:rPr lang="en-US" dirty="0" smtClean="0">
-                <a:solidFill>
-                  <a:schemeClr val="accent6"/>
-                </a:solidFill>
-              </a:rPr>
-              <a:t>powerful </a:t>
-            </a:r>
-            <a:r>
-              <a:rPr lang="en-US" dirty="0" smtClean="0">
-                <a:solidFill>
-                  <a:schemeClr val="accent6"/>
-                </a:solidFill>
-              </a:rPr>
-              <a:t>commands to look for information. Have a look at their man pages.</a:t>
+              <a:t> and grep are really powerful commands to look for information. Have a look at their man pages.</a:t>
             </a:r>
           </a:p>
           <a:p>
